--- a/Presentaciones/Capacitacion MVC - Practica- Dia 2.pptx
+++ b/Presentaciones/Capacitacion MVC - Practica- Dia 2.pptx
@@ -20528,62 +20528,62 @@
           <a:lstStyle/>
           <a:p>
             <a:r>
-              <a:rPr lang="es-AR" sz="2000" dirty="0" smtClean="0"/>
-              <a:t>Que es un </a:t>
-            </a:r>
-            <a:r>
-              <a:rPr lang="es-AR" sz="2000" dirty="0" err="1" smtClean="0"/>
+              <a:rPr lang="es-ES" sz="2000" dirty="0" smtClean="0"/>
+              <a:t>Qué es un </a:t>
+            </a:r>
+            <a:r>
+              <a:rPr lang="es-ES" sz="2000" dirty="0" err="1" smtClean="0"/>
               <a:t>Action</a:t>
             </a:r>
             <a:r>
-              <a:rPr lang="es-AR" sz="2000" dirty="0" smtClean="0"/>
+              <a:rPr lang="es-ES" sz="2000" dirty="0" smtClean="0"/>
               <a:t> </a:t>
             </a:r>
             <a:r>
-              <a:rPr lang="es-AR" sz="2000" dirty="0" err="1" smtClean="0"/>
+              <a:rPr lang="es-ES" sz="2000" dirty="0" err="1" smtClean="0"/>
               <a:t>Result</a:t>
             </a:r>
             <a:r>
-              <a:rPr lang="es-AR" sz="2000" dirty="0" smtClean="0"/>
+              <a:rPr lang="es-ES" sz="2000" dirty="0" smtClean="0"/>
               <a:t>?</a:t>
             </a:r>
           </a:p>
           <a:p>
             <a:pPr lvl="1"/>
             <a:r>
-              <a:rPr lang="es-AR" sz="2000" dirty="0" smtClean="0"/>
+              <a:rPr lang="es-ES" sz="2000" dirty="0" smtClean="0"/>
               <a:t>Un </a:t>
             </a:r>
             <a:r>
-              <a:rPr lang="es-AR" sz="2000" dirty="0" err="1" smtClean="0"/>
+              <a:rPr lang="es-ES" sz="2000" dirty="0" err="1" smtClean="0"/>
               <a:t>action</a:t>
             </a:r>
             <a:r>
-              <a:rPr lang="es-AR" sz="2000" dirty="0" smtClean="0"/>
+              <a:rPr lang="es-ES" sz="2000" dirty="0" smtClean="0"/>
               <a:t> </a:t>
             </a:r>
             <a:r>
-              <a:rPr lang="es-AR" sz="2000" dirty="0" err="1" smtClean="0"/>
+              <a:rPr lang="es-ES" sz="2000" dirty="0" err="1" smtClean="0"/>
               <a:t>result</a:t>
             </a:r>
             <a:r>
-              <a:rPr lang="es-AR" sz="2000" dirty="0" smtClean="0"/>
+              <a:rPr lang="es-ES" sz="2000" dirty="0" smtClean="0"/>
               <a:t> es una forma de encapsulamiento que tiene el </a:t>
             </a:r>
             <a:r>
-              <a:rPr lang="es-AR" sz="2000" dirty="0" err="1" smtClean="0"/>
+              <a:rPr lang="es-ES" sz="2000" dirty="0" err="1" smtClean="0"/>
               <a:t>framework</a:t>
             </a:r>
             <a:r>
-              <a:rPr lang="es-AR" sz="2000" dirty="0" smtClean="0"/>
+              <a:rPr lang="es-ES" sz="2000" dirty="0" smtClean="0"/>
               <a:t> para manejar el </a:t>
             </a:r>
             <a:r>
-              <a:rPr lang="es-AR" sz="2000" dirty="0" err="1" smtClean="0"/>
+              <a:rPr lang="es-ES" sz="2000" dirty="0" err="1" smtClean="0"/>
               <a:t>Reponse</a:t>
             </a:r>
             <a:r>
-              <a:rPr lang="es-AR" sz="2000" dirty="0" smtClean="0"/>
+              <a:rPr lang="es-ES" sz="2000" dirty="0" smtClean="0"/>
               <a:t> de una llamada desde un browser por ejemplo.</a:t>
             </a:r>
           </a:p>
@@ -20591,7 +20591,7 @@
             <a:pPr marL="0" indent="0">
               <a:buNone/>
             </a:pPr>
-            <a:endParaRPr lang="es-AR" sz="2000" dirty="0"/>
+            <a:endParaRPr lang="es-ES" sz="2000" dirty="0"/>
           </a:p>
         </p:txBody>
       </p:sp>
@@ -20604,7 +20604,7 @@
           <p:nvPr>
             <p:extLst>
               <p:ext uri="{D42A27DB-BD31-4B8C-83A1-F6EECF244321}">
-                <p14:modId xmlns:p14="http://schemas.microsoft.com/office/powerpoint/2010/main" val="4222422604"/>
+                <p14:modId xmlns:p14="http://schemas.microsoft.com/office/powerpoint/2010/main" val="3848226019"/>
               </p:ext>
             </p:extLst>
           </p:nvPr>
@@ -20632,12 +20632,12 @@
                     <a:p>
                       <a:pPr algn="ctr" fontAlgn="ctr"/>
                       <a:r>
-                        <a:rPr lang="en-US" sz="1400" u="none" strike="noStrike">
+                        <a:rPr lang="es-ES" sz="1400" u="none" strike="noStrike" noProof="0" dirty="0" err="1" smtClean="0">
                           <a:effectLst/>
                         </a:rPr>
                         <a:t>ActionResult</a:t>
                       </a:r>
-                      <a:endParaRPr lang="en-US" sz="1400" b="1" i="0" u="none" strike="noStrike">
+                      <a:endParaRPr lang="es-ES" sz="1400" b="1" i="0" u="none" strike="noStrike" noProof="0" dirty="0">
                         <a:solidFill>
                           <a:srgbClr val="000000"/>
                         </a:solidFill>
@@ -20655,12 +20655,24 @@
                     <a:p>
                       <a:pPr algn="ctr" fontAlgn="ctr"/>
                       <a:r>
-                        <a:rPr lang="en-US" sz="1400" u="none" strike="noStrike">
+                        <a:rPr lang="es-ES" sz="1400" u="none" strike="noStrike" noProof="0" dirty="0" err="1" smtClean="0">
                           <a:effectLst/>
                         </a:rPr>
-                        <a:t>Helper Method</a:t>
+                        <a:t>Helper</a:t>
                       </a:r>
-                      <a:endParaRPr lang="en-US" sz="1400" b="1" i="0" u="none" strike="noStrike">
+                      <a:r>
+                        <a:rPr lang="es-ES" sz="1400" u="none" strike="noStrike" noProof="0" dirty="0" smtClean="0">
+                          <a:effectLst/>
+                        </a:rPr>
+                        <a:t> </a:t>
+                      </a:r>
+                      <a:r>
+                        <a:rPr lang="es-ES" sz="1400" u="none" strike="noStrike" noProof="0" dirty="0" err="1" smtClean="0">
+                          <a:effectLst/>
+                        </a:rPr>
+                        <a:t>Method</a:t>
+                      </a:r>
+                      <a:endParaRPr lang="es-ES" sz="1400" b="1" i="0" u="none" strike="noStrike" noProof="0" dirty="0">
                         <a:solidFill>
                           <a:srgbClr val="000000"/>
                         </a:solidFill>
@@ -20678,12 +20690,12 @@
                     <a:p>
                       <a:pPr algn="ctr" fontAlgn="ctr"/>
                       <a:r>
-                        <a:rPr lang="en-US" sz="1400" u="none" strike="noStrike">
+                        <a:rPr lang="es-ES" sz="1400" u="none" strike="noStrike" noProof="0" dirty="0" smtClean="0">
                           <a:effectLst/>
                         </a:rPr>
                         <a:t>Descripción</a:t>
                       </a:r>
-                      <a:endParaRPr lang="en-US" sz="1400" b="1" i="0" u="none" strike="noStrike">
+                      <a:endParaRPr lang="es-ES" sz="1400" b="1" i="0" u="none" strike="noStrike" noProof="0" dirty="0">
                         <a:solidFill>
                           <a:srgbClr val="000000"/>
                         </a:solidFill>
@@ -20703,12 +20715,12 @@
                     <a:p>
                       <a:pPr algn="l" fontAlgn="ctr"/>
                       <a:r>
-                        <a:rPr lang="en-US" sz="1400" u="none" strike="noStrike">
+                        <a:rPr lang="es-ES" sz="1400" u="none" strike="noStrike" noProof="0" dirty="0" err="1" smtClean="0">
                           <a:effectLst/>
                         </a:rPr>
                         <a:t>ViewResult</a:t>
                       </a:r>
-                      <a:endParaRPr lang="en-US" sz="1400" b="0" i="0" u="none" strike="noStrike">
+                      <a:endParaRPr lang="es-ES" sz="1400" b="0" i="0" u="none" strike="noStrike" noProof="0" dirty="0">
                         <a:solidFill>
                           <a:srgbClr val="000000"/>
                         </a:solidFill>
@@ -20726,12 +20738,12 @@
                     <a:p>
                       <a:pPr algn="l" fontAlgn="ctr"/>
                       <a:r>
-                        <a:rPr lang="en-US" sz="1400" u="none" strike="noStrike">
+                        <a:rPr lang="es-ES" sz="1400" u="none" strike="noStrike" noProof="0" dirty="0" smtClean="0">
                           <a:effectLst/>
                         </a:rPr>
                         <a:t>View</a:t>
                       </a:r>
-                      <a:endParaRPr lang="en-US" sz="1400" b="0" i="0" u="none" strike="noStrike">
+                      <a:endParaRPr lang="es-ES" sz="1400" b="0" i="0" u="none" strike="noStrike" noProof="0" dirty="0">
                         <a:solidFill>
                           <a:srgbClr val="000000"/>
                         </a:solidFill>
@@ -20749,12 +20761,18 @@
                     <a:p>
                       <a:pPr algn="l" fontAlgn="ctr"/>
                       <a:r>
-                        <a:rPr lang="en-US" sz="1400" u="none" strike="noStrike">
+                        <a:rPr lang="es-ES" sz="1400" u="none" strike="noStrike" noProof="0" dirty="0" err="1" smtClean="0">
                           <a:effectLst/>
                         </a:rPr>
-                        <a:t>Renderiza una vista como una pagina web completa.</a:t>
+                        <a:t>Renderiza</a:t>
                       </a:r>
-                      <a:endParaRPr lang="en-US" sz="1400" b="0" i="0" u="none" strike="noStrike">
+                      <a:r>
+                        <a:rPr lang="es-ES" sz="1400" u="none" strike="noStrike" noProof="0" dirty="0" smtClean="0">
+                          <a:effectLst/>
+                        </a:rPr>
+                        <a:t> una vista como una pagina web completa.</a:t>
+                      </a:r>
+                      <a:endParaRPr lang="es-ES" sz="1400" b="0" i="0" u="none" strike="noStrike" noProof="0" dirty="0">
                         <a:solidFill>
                           <a:srgbClr val="000000"/>
                         </a:solidFill>
@@ -20774,12 +20792,12 @@
                     <a:p>
                       <a:pPr algn="l" fontAlgn="ctr"/>
                       <a:r>
-                        <a:rPr lang="en-US" sz="1400" u="none" strike="noStrike">
+                        <a:rPr lang="es-ES" sz="1400" u="none" strike="noStrike" noProof="0" dirty="0" err="1" smtClean="0">
                           <a:effectLst/>
                         </a:rPr>
                         <a:t>PartialViewResult</a:t>
                       </a:r>
-                      <a:endParaRPr lang="en-US" sz="1400" b="0" i="0" u="none" strike="noStrike">
+                      <a:endParaRPr lang="es-ES" sz="1400" b="0" i="0" u="none" strike="noStrike" noProof="0" dirty="0">
                         <a:solidFill>
                           <a:srgbClr val="000000"/>
                         </a:solidFill>
@@ -20797,12 +20815,12 @@
                     <a:p>
                       <a:pPr algn="l" fontAlgn="ctr"/>
                       <a:r>
-                        <a:rPr lang="en-US" sz="1400" u="none" strike="noStrike">
+                        <a:rPr lang="es-ES" sz="1400" u="none" strike="noStrike" noProof="0" dirty="0" err="1" smtClean="0">
                           <a:effectLst/>
                         </a:rPr>
                         <a:t>PartialView</a:t>
                       </a:r>
-                      <a:endParaRPr lang="en-US" sz="1400" b="0" i="0" u="none" strike="noStrike">
+                      <a:endParaRPr lang="es-ES" sz="1400" b="0" i="0" u="none" strike="noStrike" noProof="0" dirty="0">
                         <a:solidFill>
                           <a:srgbClr val="000000"/>
                         </a:solidFill>
@@ -20820,12 +20838,30 @@
                     <a:p>
                       <a:pPr algn="l" fontAlgn="ctr"/>
                       <a:r>
-                        <a:rPr lang="es-ES" sz="1400" u="none" strike="noStrike">
+                        <a:rPr lang="es-ES" sz="1400" u="none" strike="noStrike" noProof="0" dirty="0" err="1">
                           <a:effectLst/>
                         </a:rPr>
-                        <a:t>Renderizada una seccion de una pagina web que se ubicara dentro de otra vista.</a:t>
+                        <a:t>Renderizada</a:t>
                       </a:r>
-                      <a:endParaRPr lang="es-ES" sz="1400" b="0" i="0" u="none" strike="noStrike">
+                      <a:r>
+                        <a:rPr lang="es-ES" sz="1400" u="none" strike="noStrike" noProof="0" dirty="0">
+                          <a:effectLst/>
+                        </a:rPr>
+                        <a:t> una </a:t>
+                      </a:r>
+                      <a:r>
+                        <a:rPr lang="es-ES" sz="1400" u="none" strike="noStrike" noProof="0" dirty="0" smtClean="0">
+                          <a:effectLst/>
+                        </a:rPr>
+                        <a:t>sección </a:t>
+                      </a:r>
+                      <a:r>
+                        <a:rPr lang="es-ES" sz="1400" u="none" strike="noStrike" noProof="0" dirty="0">
+                          <a:effectLst/>
+                        </a:rPr>
+                        <a:t>de una pagina web que se ubicara dentro de otra vista.</a:t>
+                      </a:r>
+                      <a:endParaRPr lang="es-ES" sz="1400" b="0" i="0" u="none" strike="noStrike" noProof="0" dirty="0">
                         <a:solidFill>
                           <a:srgbClr val="000000"/>
                         </a:solidFill>
@@ -20845,12 +20881,12 @@
                     <a:p>
                       <a:pPr algn="l" fontAlgn="ctr"/>
                       <a:r>
-                        <a:rPr lang="en-US" sz="1400" u="none" strike="noStrike">
+                        <a:rPr lang="es-ES" sz="1400" u="none" strike="noStrike" noProof="0" dirty="0" err="1" smtClean="0">
                           <a:effectLst/>
                         </a:rPr>
                         <a:t>RedirectResult</a:t>
                       </a:r>
-                      <a:endParaRPr lang="en-US" sz="1400" b="0" i="0" u="none" strike="noStrike">
+                      <a:endParaRPr lang="es-ES" sz="1400" b="0" i="0" u="none" strike="noStrike" noProof="0" dirty="0">
                         <a:solidFill>
                           <a:srgbClr val="000000"/>
                         </a:solidFill>
@@ -20868,12 +20904,12 @@
                     <a:p>
                       <a:pPr algn="l" fontAlgn="ctr"/>
                       <a:r>
-                        <a:rPr lang="en-US" sz="1400" u="none" strike="noStrike">
+                        <a:rPr lang="es-ES" sz="1400" u="none" strike="noStrike" noProof="0" dirty="0" err="1" smtClean="0">
                           <a:effectLst/>
                         </a:rPr>
                         <a:t>Redirect</a:t>
                       </a:r>
-                      <a:endParaRPr lang="en-US" sz="1400" b="0" i="0" u="none" strike="noStrike">
+                      <a:endParaRPr lang="es-ES" sz="1400" b="0" i="0" u="none" strike="noStrike" noProof="0" dirty="0">
                         <a:solidFill>
                           <a:srgbClr val="000000"/>
                         </a:solidFill>
@@ -20891,12 +20927,18 @@
                     <a:p>
                       <a:pPr algn="l" fontAlgn="ctr"/>
                       <a:r>
-                        <a:rPr lang="en-US" sz="1400" u="none" strike="noStrike">
+                        <a:rPr lang="es-ES" sz="1400" u="none" strike="noStrike" noProof="0" dirty="0" err="1" smtClean="0">
                           <a:effectLst/>
                         </a:rPr>
-                        <a:t>Redirecciona a otra accion.</a:t>
+                        <a:t>Redirecciona</a:t>
                       </a:r>
-                      <a:endParaRPr lang="en-US" sz="1400" b="0" i="0" u="none" strike="noStrike">
+                      <a:r>
+                        <a:rPr lang="es-ES" sz="1400" u="none" strike="noStrike" noProof="0" dirty="0" smtClean="0">
+                          <a:effectLst/>
+                        </a:rPr>
+                        <a:t> a otra acción.</a:t>
+                      </a:r>
+                      <a:endParaRPr lang="es-ES" sz="1400" b="0" i="0" u="none" strike="noStrike" noProof="0" dirty="0">
                         <a:solidFill>
                           <a:srgbClr val="000000"/>
                         </a:solidFill>
@@ -20916,12 +20958,12 @@
                     <a:p>
                       <a:pPr algn="l" fontAlgn="ctr"/>
                       <a:r>
-                        <a:rPr lang="en-US" sz="1400" u="none" strike="noStrike">
+                        <a:rPr lang="es-ES" sz="1400" u="none" strike="noStrike" noProof="0" dirty="0" err="1" smtClean="0">
                           <a:effectLst/>
                         </a:rPr>
                         <a:t>RedirectToRouteResult</a:t>
                       </a:r>
-                      <a:endParaRPr lang="en-US" sz="1400" b="0" i="0" u="none" strike="noStrike">
+                      <a:endParaRPr lang="es-ES" sz="1400" b="0" i="0" u="none" strike="noStrike" noProof="0" dirty="0">
                         <a:solidFill>
                           <a:srgbClr val="000000"/>
                         </a:solidFill>
@@ -20939,12 +20981,12 @@
                     <a:p>
                       <a:pPr algn="l" fontAlgn="ctr"/>
                       <a:r>
-                        <a:rPr lang="en-US" sz="1400" u="none" strike="noStrike" dirty="0" err="1">
+                        <a:rPr lang="es-ES" sz="1400" u="none" strike="noStrike" noProof="0" dirty="0" err="1" smtClean="0">
                           <a:effectLst/>
                         </a:rPr>
                         <a:t>RedirectToRoute</a:t>
                       </a:r>
-                      <a:endParaRPr lang="en-US" sz="1400" b="0" i="0" u="none" strike="noStrike" dirty="0">
+                      <a:endParaRPr lang="es-ES" sz="1400" b="0" i="0" u="none" strike="noStrike" noProof="0" dirty="0">
                         <a:solidFill>
                           <a:srgbClr val="000000"/>
                         </a:solidFill>
@@ -20962,12 +21004,18 @@
                     <a:p>
                       <a:pPr algn="l" fontAlgn="ctr"/>
                       <a:r>
-                        <a:rPr lang="en-US" sz="1400" u="none" strike="noStrike">
+                        <a:rPr lang="es-ES" sz="1400" u="none" strike="noStrike" noProof="0" dirty="0" err="1" smtClean="0">
                           <a:effectLst/>
                         </a:rPr>
-                        <a:t>Redirecciona a otra accion.</a:t>
+                        <a:t>Redirecciona</a:t>
                       </a:r>
-                      <a:endParaRPr lang="en-US" sz="1400" b="0" i="0" u="none" strike="noStrike">
+                      <a:r>
+                        <a:rPr lang="es-ES" sz="1400" u="none" strike="noStrike" noProof="0" dirty="0" smtClean="0">
+                          <a:effectLst/>
+                        </a:rPr>
+                        <a:t> a otra acción.</a:t>
+                      </a:r>
+                      <a:endParaRPr lang="es-ES" sz="1400" b="0" i="0" u="none" strike="noStrike" noProof="0" dirty="0">
                         <a:solidFill>
                           <a:srgbClr val="000000"/>
                         </a:solidFill>
@@ -20987,12 +21035,12 @@
                     <a:p>
                       <a:pPr algn="l" fontAlgn="ctr"/>
                       <a:r>
-                        <a:rPr lang="en-US" sz="1400" u="none" strike="noStrike">
+                        <a:rPr lang="es-ES" sz="1400" u="none" strike="noStrike" noProof="0" dirty="0" err="1" smtClean="0">
                           <a:effectLst/>
                         </a:rPr>
                         <a:t>ContentResult</a:t>
                       </a:r>
-                      <a:endParaRPr lang="en-US" sz="1400" b="0" i="0" u="none" strike="noStrike">
+                      <a:endParaRPr lang="es-ES" sz="1400" b="0" i="0" u="none" strike="noStrike" noProof="0" dirty="0">
                         <a:solidFill>
                           <a:srgbClr val="000000"/>
                         </a:solidFill>
@@ -21010,12 +21058,12 @@
                     <a:p>
                       <a:pPr algn="l" fontAlgn="ctr"/>
                       <a:r>
-                        <a:rPr lang="en-US" sz="1400" u="none" strike="noStrike" dirty="0">
+                        <a:rPr lang="es-ES" sz="1400" u="none" strike="noStrike" noProof="0" dirty="0" smtClean="0">
                           <a:effectLst/>
                         </a:rPr>
                         <a:t>Content</a:t>
                       </a:r>
-                      <a:endParaRPr lang="en-US" sz="1400" b="0" i="0" u="none" strike="noStrike" dirty="0">
+                      <a:endParaRPr lang="es-ES" sz="1400" b="0" i="0" u="none" strike="noStrike" noProof="0" dirty="0">
                         <a:solidFill>
                           <a:srgbClr val="000000"/>
                         </a:solidFill>
@@ -21033,12 +21081,24 @@
                     <a:p>
                       <a:pPr algn="l" fontAlgn="ctr"/>
                       <a:r>
-                        <a:rPr lang="es-ES" sz="1400" u="none" strike="noStrike">
+                        <a:rPr lang="es-ES" sz="1400" u="none" strike="noStrike" noProof="0" dirty="0">
                           <a:effectLst/>
                         </a:rPr>
-                        <a:t>Retorna un tipo de contenido definido por el usuario: texto, xml.</a:t>
+                        <a:t>Retorna un tipo de contenido definido por el usuario: texto, </a:t>
                       </a:r>
-                      <a:endParaRPr lang="es-ES" sz="1400" b="0" i="0" u="none" strike="noStrike">
+                      <a:r>
+                        <a:rPr lang="es-ES" sz="1400" u="none" strike="noStrike" noProof="0" dirty="0" err="1">
+                          <a:effectLst/>
+                        </a:rPr>
+                        <a:t>xml</a:t>
+                      </a:r>
+                      <a:r>
+                        <a:rPr lang="es-ES" sz="1400" u="none" strike="noStrike" noProof="0" dirty="0">
+                          <a:effectLst/>
+                        </a:rPr>
+                        <a:t>.</a:t>
+                      </a:r>
+                      <a:endParaRPr lang="es-ES" sz="1400" b="0" i="0" u="none" strike="noStrike" noProof="0" dirty="0">
                         <a:solidFill>
                           <a:srgbClr val="000000"/>
                         </a:solidFill>
@@ -21058,12 +21118,12 @@
                     <a:p>
                       <a:pPr algn="l" fontAlgn="ctr"/>
                       <a:r>
-                        <a:rPr lang="en-US" sz="1400" u="none" strike="noStrike">
+                        <a:rPr lang="es-ES" sz="1400" u="none" strike="noStrike" noProof="0" dirty="0" err="1" smtClean="0">
                           <a:effectLst/>
                         </a:rPr>
                         <a:t>JsonResult</a:t>
                       </a:r>
-                      <a:endParaRPr lang="en-US" sz="1400" b="0" i="0" u="none" strike="noStrike">
+                      <a:endParaRPr lang="es-ES" sz="1400" b="0" i="0" u="none" strike="noStrike" noProof="0" dirty="0">
                         <a:solidFill>
                           <a:srgbClr val="000000"/>
                         </a:solidFill>
@@ -21081,12 +21141,12 @@
                     <a:p>
                       <a:pPr algn="l" fontAlgn="ctr"/>
                       <a:r>
-                        <a:rPr lang="en-US" sz="1400" u="none" strike="noStrike" dirty="0" err="1">
+                        <a:rPr lang="es-ES" sz="1400" u="none" strike="noStrike" noProof="0" dirty="0" err="1" smtClean="0">
                           <a:effectLst/>
                         </a:rPr>
                         <a:t>Json</a:t>
                       </a:r>
-                      <a:endParaRPr lang="en-US" sz="1400" b="0" i="0" u="none" strike="noStrike" dirty="0">
+                      <a:endParaRPr lang="es-ES" sz="1400" b="0" i="0" u="none" strike="noStrike" noProof="0" dirty="0">
                         <a:solidFill>
                           <a:srgbClr val="000000"/>
                         </a:solidFill>
@@ -21104,12 +21164,24 @@
                     <a:p>
                       <a:pPr algn="l" fontAlgn="ctr"/>
                       <a:r>
-                        <a:rPr lang="es-ES" sz="1400" u="none" strike="noStrike">
+                        <a:rPr lang="es-ES" sz="1400" u="none" strike="noStrike" noProof="0" dirty="0">
                           <a:effectLst/>
                         </a:rPr>
-                        <a:t>Retorna un objeto Json serializado.</a:t>
+                        <a:t>Retorna un objeto </a:t>
                       </a:r>
-                      <a:endParaRPr lang="es-ES" sz="1400" b="0" i="0" u="none" strike="noStrike">
+                      <a:r>
+                        <a:rPr lang="es-ES" sz="1400" u="none" strike="noStrike" noProof="0" dirty="0" err="1">
+                          <a:effectLst/>
+                        </a:rPr>
+                        <a:t>Json</a:t>
+                      </a:r>
+                      <a:r>
+                        <a:rPr lang="es-ES" sz="1400" u="none" strike="noStrike" noProof="0" dirty="0">
+                          <a:effectLst/>
+                        </a:rPr>
+                        <a:t> serializado.</a:t>
+                      </a:r>
+                      <a:endParaRPr lang="es-ES" sz="1400" b="0" i="0" u="none" strike="noStrike" noProof="0" dirty="0">
                         <a:solidFill>
                           <a:srgbClr val="000000"/>
                         </a:solidFill>
@@ -21129,12 +21201,12 @@
                     <a:p>
                       <a:pPr algn="l" fontAlgn="ctr"/>
                       <a:r>
-                        <a:rPr lang="en-US" sz="1400" u="none" strike="noStrike">
+                        <a:rPr lang="es-ES" sz="1400" u="none" strike="noStrike" noProof="0" dirty="0" err="1" smtClean="0">
                           <a:effectLst/>
                         </a:rPr>
                         <a:t>JavaScriptResult</a:t>
                       </a:r>
-                      <a:endParaRPr lang="en-US" sz="1400" b="0" i="0" u="none" strike="noStrike">
+                      <a:endParaRPr lang="es-ES" sz="1400" b="0" i="0" u="none" strike="noStrike" noProof="0" dirty="0">
                         <a:solidFill>
                           <a:srgbClr val="000000"/>
                         </a:solidFill>
@@ -21152,12 +21224,12 @@
                     <a:p>
                       <a:pPr algn="l" fontAlgn="ctr"/>
                       <a:r>
-                        <a:rPr lang="en-US" sz="1400" u="none" strike="noStrike" dirty="0">
+                        <a:rPr lang="es-ES" sz="1400" u="none" strike="noStrike" noProof="0" dirty="0" smtClean="0">
                           <a:effectLst/>
                         </a:rPr>
                         <a:t>JavaScript</a:t>
                       </a:r>
-                      <a:endParaRPr lang="en-US" sz="1400" b="0" i="0" u="none" strike="noStrike" dirty="0">
+                      <a:endParaRPr lang="es-ES" sz="1400" b="0" i="0" u="none" strike="noStrike" noProof="0" dirty="0">
                         <a:solidFill>
                           <a:srgbClr val="000000"/>
                         </a:solidFill>
@@ -21175,12 +21247,30 @@
                     <a:p>
                       <a:pPr algn="l" fontAlgn="ctr"/>
                       <a:r>
-                        <a:rPr lang="es-ES" sz="1400" u="none" strike="noStrike">
+                        <a:rPr lang="es-ES" sz="1400" u="none" strike="noStrike" noProof="0" dirty="0">
                           <a:effectLst/>
                         </a:rPr>
-                        <a:t>Retorna codigo javascript que puede ser ejecutado en el cliente.</a:t>
+                        <a:t>Retorna </a:t>
                       </a:r>
-                      <a:endParaRPr lang="es-ES" sz="1400" b="0" i="0" u="none" strike="noStrike">
+                      <a:r>
+                        <a:rPr lang="es-ES" sz="1400" u="none" strike="noStrike" noProof="0" dirty="0" smtClean="0">
+                          <a:effectLst/>
+                        </a:rPr>
+                        <a:t>código </a:t>
+                      </a:r>
+                      <a:r>
+                        <a:rPr lang="es-ES" sz="1400" u="none" strike="noStrike" noProof="0" dirty="0" err="1">
+                          <a:effectLst/>
+                        </a:rPr>
+                        <a:t>javascript</a:t>
+                      </a:r>
+                      <a:r>
+                        <a:rPr lang="es-ES" sz="1400" u="none" strike="noStrike" noProof="0" dirty="0">
+                          <a:effectLst/>
+                        </a:rPr>
+                        <a:t> que puede ser ejecutado en el cliente.</a:t>
+                      </a:r>
+                      <a:endParaRPr lang="es-ES" sz="1400" b="0" i="0" u="none" strike="noStrike" noProof="0" dirty="0">
                         <a:solidFill>
                           <a:srgbClr val="000000"/>
                         </a:solidFill>
@@ -21200,12 +21290,12 @@
                     <a:p>
                       <a:pPr algn="l" fontAlgn="ctr"/>
                       <a:r>
-                        <a:rPr lang="en-US" sz="1400" u="none" strike="noStrike">
+                        <a:rPr lang="es-ES" sz="1400" u="none" strike="noStrike" noProof="0" dirty="0" err="1" smtClean="0">
                           <a:effectLst/>
                         </a:rPr>
                         <a:t>FileResult</a:t>
                       </a:r>
-                      <a:endParaRPr lang="en-US" sz="1400" b="0" i="0" u="none" strike="noStrike">
+                      <a:endParaRPr lang="es-ES" sz="1400" b="0" i="0" u="none" strike="noStrike" noProof="0" dirty="0">
                         <a:solidFill>
                           <a:srgbClr val="000000"/>
                         </a:solidFill>
@@ -21223,12 +21313,12 @@
                     <a:p>
                       <a:pPr algn="l" fontAlgn="ctr"/>
                       <a:r>
-                        <a:rPr lang="en-US" sz="1400" u="none" strike="noStrike">
+                        <a:rPr lang="es-ES" sz="1400" u="none" strike="noStrike" noProof="0" dirty="0" smtClean="0">
                           <a:effectLst/>
                         </a:rPr>
                         <a:t>File</a:t>
                       </a:r>
-                      <a:endParaRPr lang="en-US" sz="1400" b="0" i="0" u="none" strike="noStrike">
+                      <a:endParaRPr lang="es-ES" sz="1400" b="0" i="0" u="none" strike="noStrike" noProof="0" dirty="0">
                         <a:solidFill>
                           <a:srgbClr val="000000"/>
                         </a:solidFill>
@@ -21246,12 +21336,12 @@
                     <a:p>
                       <a:pPr algn="l" fontAlgn="ctr"/>
                       <a:r>
-                        <a:rPr lang="es-ES" sz="1400" u="none" strike="noStrike">
+                        <a:rPr lang="es-ES" sz="1400" u="none" strike="noStrike" noProof="0" dirty="0">
                           <a:effectLst/>
                         </a:rPr>
                         <a:t>Retorna una salida binaria a escribir en el response.</a:t>
                       </a:r>
-                      <a:endParaRPr lang="es-ES" sz="1400" b="0" i="0" u="none" strike="noStrike">
+                      <a:endParaRPr lang="es-ES" sz="1400" b="0" i="0" u="none" strike="noStrike" noProof="0" dirty="0">
                         <a:solidFill>
                           <a:srgbClr val="000000"/>
                         </a:solidFill>
@@ -21271,12 +21361,12 @@
                     <a:p>
                       <a:pPr algn="l" fontAlgn="ctr"/>
                       <a:r>
-                        <a:rPr lang="en-US" sz="1400" u="none" strike="noStrike">
+                        <a:rPr lang="es-ES" sz="1400" u="none" strike="noStrike" noProof="0" dirty="0" err="1" smtClean="0">
                           <a:effectLst/>
                         </a:rPr>
                         <a:t>EmptyResult</a:t>
                       </a:r>
-                      <a:endParaRPr lang="en-US" sz="1400" b="0" i="0" u="none" strike="noStrike">
+                      <a:endParaRPr lang="es-ES" sz="1400" b="0" i="0" u="none" strike="noStrike" noProof="0" dirty="0">
                         <a:solidFill>
                           <a:srgbClr val="000000"/>
                         </a:solidFill>
@@ -21294,12 +21384,24 @@
                     <a:p>
                       <a:pPr algn="l" fontAlgn="ctr"/>
                       <a:r>
-                        <a:rPr lang="en-US" sz="1400" u="none" strike="noStrike">
+                        <a:rPr lang="es-ES" sz="1400" u="none" strike="noStrike" noProof="0" dirty="0" smtClean="0">
                           <a:effectLst/>
                         </a:rPr>
-                        <a:t>(None)</a:t>
+                        <a:t>(</a:t>
                       </a:r>
-                      <a:endParaRPr lang="en-US" sz="1400" b="0" i="0" u="none" strike="noStrike">
+                      <a:r>
+                        <a:rPr lang="es-ES" sz="1400" u="none" strike="noStrike" noProof="0" dirty="0" err="1" smtClean="0">
+                          <a:effectLst/>
+                        </a:rPr>
+                        <a:t>None</a:t>
+                      </a:r>
+                      <a:r>
+                        <a:rPr lang="es-ES" sz="1400" u="none" strike="noStrike" noProof="0" dirty="0" smtClean="0">
+                          <a:effectLst/>
+                        </a:rPr>
+                        <a:t>)</a:t>
+                      </a:r>
+                      <a:endParaRPr lang="es-ES" sz="1400" b="0" i="0" u="none" strike="noStrike" noProof="0" dirty="0">
                         <a:solidFill>
                           <a:srgbClr val="000000"/>
                         </a:solidFill>
@@ -21317,42 +21419,12 @@
                     <a:p>
                       <a:pPr algn="l" fontAlgn="ctr"/>
                       <a:r>
-                        <a:rPr lang="en-US" sz="1400" u="none" strike="noStrike" dirty="0" err="1">
+                        <a:rPr lang="es-ES" sz="1400" u="none" strike="noStrike" noProof="0" dirty="0" smtClean="0">
                           <a:effectLst/>
                         </a:rPr>
-                        <a:t>Retorna</a:t>
+                        <a:t>Retorna un resultado nulo.</a:t>
                       </a:r>
-                      <a:r>
-                        <a:rPr lang="en-US" sz="1400" u="none" strike="noStrike" dirty="0">
-                          <a:effectLst/>
-                        </a:rPr>
-                        <a:t> un </a:t>
-                      </a:r>
-                      <a:r>
-                        <a:rPr lang="en-US" sz="1400" u="none" strike="noStrike" dirty="0" err="1">
-                          <a:effectLst/>
-                        </a:rPr>
-                        <a:t>resultado</a:t>
-                      </a:r>
-                      <a:r>
-                        <a:rPr lang="en-US" sz="1400" u="none" strike="noStrike" dirty="0">
-                          <a:effectLst/>
-                        </a:rPr>
-                        <a:t> </a:t>
-                      </a:r>
-                      <a:r>
-                        <a:rPr lang="en-US" sz="1400" u="none" strike="noStrike" dirty="0" err="1">
-                          <a:effectLst/>
-                        </a:rPr>
-                        <a:t>nulo</a:t>
-                      </a:r>
-                      <a:r>
-                        <a:rPr lang="en-US" sz="1400" u="none" strike="noStrike" dirty="0">
-                          <a:effectLst/>
-                        </a:rPr>
-                        <a:t>.</a:t>
-                      </a:r>
-                      <a:endParaRPr lang="en-US" sz="1400" b="0" i="0" u="none" strike="noStrike" dirty="0">
+                      <a:endParaRPr lang="es-ES" sz="1400" b="0" i="0" u="none" strike="noStrike" noProof="0" dirty="0">
                         <a:solidFill>
                           <a:srgbClr val="000000"/>
                         </a:solidFill>
@@ -22430,11 +22502,7 @@
           <a:p>
             <a:r>
               <a:rPr lang="es-AR" sz="1800" dirty="0" smtClean="0"/>
-              <a:t>Algunos </a:t>
-            </a:r>
-            <a:r>
-              <a:rPr lang="es-AR" sz="1800" dirty="0" smtClean="0"/>
-              <a:t>tipos de </a:t>
+              <a:t>Algunos tipos de </a:t>
             </a:r>
             <a:r>
               <a:rPr lang="es-AR" sz="1800" dirty="0" err="1" smtClean="0"/>
@@ -23385,11 +23453,7 @@
             </a:r>
             <a:r>
               <a:rPr lang="es-AR" sz="2000" dirty="0" smtClean="0"/>
-              <a:t> como</a:t>
-            </a:r>
-            <a:r>
-              <a:rPr lang="es-AR" sz="2000" dirty="0" smtClean="0"/>
-              <a:t>:</a:t>
+              <a:t> como:</a:t>
             </a:r>
             <a:endParaRPr lang="en-US" sz="2000" dirty="0"/>
           </a:p>
@@ -24628,42 +24692,10 @@
           <a:lstStyle/>
           <a:p>
             <a:r>
-              <a:rPr lang="en-US" dirty="0" err="1"/>
-              <a:t>Ejemplo</a:t>
-            </a:r>
-            <a:r>
-              <a:rPr lang="en-US" dirty="0"/>
-              <a:t> </a:t>
-            </a:r>
-            <a:r>
-              <a:rPr lang="en-US" dirty="0" err="1"/>
-              <a:t>practico</a:t>
-            </a:r>
-            <a:r>
-              <a:rPr lang="en-US" dirty="0"/>
-              <a:t> – </a:t>
-            </a:r>
-            <a:r>
-              <a:rPr lang="en-US" dirty="0" err="1"/>
-              <a:t>Lista</a:t>
-            </a:r>
-            <a:r>
-              <a:rPr lang="en-US" dirty="0"/>
-              <a:t> de </a:t>
-            </a:r>
-            <a:r>
-              <a:rPr lang="en-US" dirty="0" err="1" smtClean="0"/>
-              <a:t>Géneros</a:t>
-            </a:r>
-            <a:r>
-              <a:rPr lang="en-US" dirty="0" smtClean="0"/>
-              <a:t> y </a:t>
-            </a:r>
-            <a:r>
-              <a:rPr lang="en-US" dirty="0" err="1" smtClean="0"/>
-              <a:t>Peliculas</a:t>
-            </a:r>
-            <a:endParaRPr lang="en-US" dirty="0"/>
+              <a:rPr lang="es-ES" dirty="0" smtClean="0"/>
+              <a:t>Ejemplo práctico – Lista de Géneros y Películas</a:t>
+            </a:r>
+            <a:endParaRPr lang="es-ES" dirty="0"/>
           </a:p>
         </p:txBody>
       </p:sp>
@@ -24966,242 +24998,147 @@
           <a:lstStyle/>
           <a:p>
             <a:r>
-              <a:rPr lang="en-US" sz="1600" dirty="0" smtClean="0"/>
-              <a:t>Como se </a:t>
-            </a:r>
-            <a:r>
-              <a:rPr lang="en-US" sz="1600" dirty="0" err="1" smtClean="0"/>
-              <a:t>dijo</a:t>
-            </a:r>
-            <a:r>
-              <a:rPr lang="en-US" sz="1600" dirty="0" smtClean="0"/>
-              <a:t> </a:t>
-            </a:r>
-            <a:r>
-              <a:rPr lang="en-US" sz="1600" dirty="0" err="1" smtClean="0"/>
-              <a:t>anteriormente</a:t>
-            </a:r>
-            <a:r>
-              <a:rPr lang="en-US" sz="1600" dirty="0" smtClean="0"/>
-              <a:t> MVC </a:t>
-            </a:r>
-            <a:r>
-              <a:rPr lang="en-US" sz="1600" dirty="0" err="1" smtClean="0"/>
-              <a:t>es</a:t>
-            </a:r>
-            <a:r>
-              <a:rPr lang="en-US" sz="1600" dirty="0" smtClean="0"/>
-              <a:t> </a:t>
-            </a:r>
-            <a:r>
-              <a:rPr lang="en-US" sz="1600" dirty="0" err="1" smtClean="0"/>
-              <a:t>desconectado</a:t>
-            </a:r>
-            <a:r>
-              <a:rPr lang="en-US" sz="1600" dirty="0" smtClean="0"/>
-              <a:t> y se </a:t>
-            </a:r>
-            <a:r>
-              <a:rPr lang="en-US" sz="1600" dirty="0" err="1" smtClean="0"/>
-              <a:t>maneja</a:t>
-            </a:r>
-            <a:r>
-              <a:rPr lang="en-US" sz="1600" dirty="0" smtClean="0"/>
-              <a:t> </a:t>
-            </a:r>
-            <a:r>
-              <a:rPr lang="en-US" sz="1600" dirty="0" err="1" smtClean="0"/>
-              <a:t>usando</a:t>
-            </a:r>
-            <a:r>
-              <a:rPr lang="en-US" sz="1600" dirty="0" smtClean="0"/>
-              <a:t> los </a:t>
-            </a:r>
-            <a:r>
-              <a:rPr lang="en-US" sz="1600" dirty="0" err="1" smtClean="0"/>
-              <a:t>verbos</a:t>
-            </a:r>
-            <a:r>
-              <a:rPr lang="en-US" sz="1600" dirty="0" smtClean="0"/>
-              <a:t> de HTTP.</a:t>
-            </a:r>
-          </a:p>
-          <a:p>
-            <a:endParaRPr lang="es-AR" sz="1600" dirty="0" smtClean="0"/>
-          </a:p>
-          <a:p>
-            <a:r>
-              <a:rPr lang="en-US" sz="1600" dirty="0" smtClean="0"/>
-              <a:t>Como se </a:t>
-            </a:r>
-            <a:r>
-              <a:rPr lang="en-US" sz="1600" dirty="0" err="1" smtClean="0"/>
-              <a:t>pueden</a:t>
-            </a:r>
-            <a:r>
-              <a:rPr lang="en-US" sz="1600" dirty="0" smtClean="0"/>
-              <a:t> </a:t>
-            </a:r>
-            <a:r>
-              <a:rPr lang="en-US" sz="1600" dirty="0" err="1" smtClean="0"/>
-              <a:t>obtener</a:t>
-            </a:r>
-            <a:r>
-              <a:rPr lang="en-US" sz="1600" dirty="0" smtClean="0"/>
-              <a:t> los </a:t>
-            </a:r>
-            <a:r>
-              <a:rPr lang="en-US" sz="1600" dirty="0" err="1" smtClean="0"/>
-              <a:t>valores</a:t>
-            </a:r>
-            <a:r>
-              <a:rPr lang="en-US" sz="1600" dirty="0" smtClean="0"/>
-              <a:t> </a:t>
-            </a:r>
-            <a:r>
-              <a:rPr lang="en-US" sz="1600" dirty="0" err="1" smtClean="0"/>
-              <a:t>pasados</a:t>
-            </a:r>
-            <a:r>
-              <a:rPr lang="en-US" sz="1600" dirty="0" smtClean="0"/>
-              <a:t> </a:t>
-            </a:r>
-            <a:r>
-              <a:rPr lang="en-US" sz="1600" dirty="0" err="1" smtClean="0"/>
-              <a:t>por</a:t>
-            </a:r>
-            <a:r>
-              <a:rPr lang="en-US" sz="1600" dirty="0" smtClean="0"/>
-              <a:t> un post:</a:t>
-            </a:r>
-            <a:endParaRPr lang="es-AR" sz="1600" dirty="0"/>
+              <a:rPr lang="es-ES" sz="1600" dirty="0" smtClean="0"/>
+              <a:t>Como se dijo anteriormente MVC es desconectado y se maneja usando los verbos de HTTP.</a:t>
+            </a:r>
+          </a:p>
+          <a:p>
+            <a:endParaRPr lang="es-ES" sz="1600" dirty="0" smtClean="0"/>
+          </a:p>
+          <a:p>
+            <a:r>
+              <a:rPr lang="es-ES" sz="1600" dirty="0" smtClean="0"/>
+              <a:t>Como se pueden obtener los valores pasados por un post:</a:t>
+            </a:r>
           </a:p>
           <a:p>
             <a:pPr lvl="1"/>
             <a:r>
-              <a:rPr lang="es-AR" sz="1600" dirty="0" smtClean="0"/>
+              <a:rPr lang="es-ES" sz="1600" dirty="0" smtClean="0"/>
               <a:t>Usando los </a:t>
             </a:r>
             <a:r>
-              <a:rPr lang="es-AR" sz="1600" dirty="0" err="1" smtClean="0"/>
+              <a:rPr lang="es-ES" sz="1600" dirty="0" err="1" smtClean="0"/>
               <a:t>Actions</a:t>
             </a:r>
             <a:r>
-              <a:rPr lang="es-AR" sz="1600" dirty="0" smtClean="0"/>
+              <a:rPr lang="es-ES" sz="1600" dirty="0" smtClean="0"/>
               <a:t> de los </a:t>
             </a:r>
             <a:r>
-              <a:rPr lang="es-AR" sz="1600" dirty="0" err="1" smtClean="0"/>
+              <a:rPr lang="es-ES" sz="1600" dirty="0" err="1" smtClean="0"/>
               <a:t>controllers</a:t>
             </a:r>
             <a:r>
-              <a:rPr lang="es-AR" sz="1600" dirty="0" smtClean="0"/>
+              <a:rPr lang="es-ES" sz="1600" dirty="0" smtClean="0"/>
               <a:t> pero agregando dos cosas:</a:t>
             </a:r>
           </a:p>
           <a:p>
             <a:pPr lvl="2"/>
             <a:r>
-              <a:rPr lang="en-US" sz="1600" dirty="0" err="1" smtClean="0"/>
-              <a:t>Atributos</a:t>
-            </a:r>
-            <a:r>
-              <a:rPr lang="en-US" sz="1600" dirty="0" smtClean="0"/>
-              <a:t>  [</a:t>
-            </a:r>
-            <a:r>
-              <a:rPr lang="en-US" sz="1600" dirty="0" err="1" smtClean="0"/>
+              <a:rPr lang="es-ES" sz="1600" dirty="0" smtClean="0"/>
+              <a:t>Atributos  [</a:t>
+            </a:r>
+            <a:r>
+              <a:rPr lang="es-ES" sz="1600" dirty="0" err="1" smtClean="0"/>
               <a:t>HttpPost</a:t>
             </a:r>
             <a:r>
-              <a:rPr lang="en-US" sz="1600" dirty="0" smtClean="0"/>
-              <a:t>] o Get</a:t>
-            </a:r>
+              <a:rPr lang="es-ES" sz="1600" dirty="0" smtClean="0"/>
+              <a:t>] o </a:t>
+            </a:r>
+            <a:r>
+              <a:rPr lang="es-ES" sz="1600" dirty="0" err="1" smtClean="0"/>
+              <a:t>Get</a:t>
+            </a:r>
+            <a:endParaRPr lang="es-ES" sz="1600" dirty="0" smtClean="0"/>
           </a:p>
           <a:p>
             <a:pPr lvl="2"/>
             <a:r>
-              <a:rPr lang="en-US" sz="1600" dirty="0" err="1" smtClean="0"/>
-              <a:t>Agregar</a:t>
-            </a:r>
-            <a:r>
-              <a:rPr lang="en-US" sz="1600" dirty="0" smtClean="0"/>
-              <a:t> </a:t>
-            </a:r>
-            <a:r>
-              <a:rPr lang="en-US" sz="1600" dirty="0" err="1" smtClean="0"/>
+              <a:rPr lang="es-ES" sz="1600" dirty="0" smtClean="0"/>
+              <a:t>Agregar </a:t>
+            </a:r>
+            <a:r>
+              <a:rPr lang="es-ES" sz="1600" dirty="0" err="1" smtClean="0"/>
               <a:t>parametos</a:t>
             </a:r>
             <a:r>
-              <a:rPr lang="en-US" sz="1600" dirty="0" smtClean="0"/>
-              <a:t> al action</a:t>
-            </a:r>
+              <a:rPr lang="es-ES" sz="1600" dirty="0" smtClean="0"/>
+              <a:t> al </a:t>
+            </a:r>
+            <a:r>
+              <a:rPr lang="es-ES" sz="1600" dirty="0" err="1" smtClean="0"/>
+              <a:t>action</a:t>
+            </a:r>
+            <a:endParaRPr lang="es-ES" sz="1600" dirty="0" smtClean="0"/>
           </a:p>
           <a:p>
             <a:pPr marL="457200" lvl="2" indent="0">
               <a:buNone/>
             </a:pPr>
-            <a:endParaRPr lang="en-US" sz="1600" dirty="0"/>
+            <a:endParaRPr lang="es-ES" sz="1600" dirty="0" smtClean="0"/>
           </a:p>
           <a:p>
             <a:pPr lvl="2"/>
-            <a:endParaRPr lang="en-US" sz="1600" dirty="0" smtClean="0"/>
+            <a:endParaRPr lang="es-ES" sz="1600" dirty="0" smtClean="0"/>
           </a:p>
           <a:p>
             <a:pPr lvl="2"/>
-            <a:endParaRPr lang="en-US" sz="1600" dirty="0"/>
+            <a:endParaRPr lang="es-ES" sz="1600" dirty="0" smtClean="0"/>
           </a:p>
           <a:p>
             <a:pPr lvl="2"/>
-            <a:endParaRPr lang="es-AR" sz="1600" dirty="0" smtClean="0"/>
+            <a:endParaRPr lang="es-ES" sz="1600" dirty="0" smtClean="0"/>
           </a:p>
           <a:p>
             <a:pPr lvl="1"/>
             <a:r>
-              <a:rPr lang="es-AR" sz="1600" dirty="0" smtClean="0"/>
+              <a:rPr lang="es-ES" sz="1600" dirty="0" smtClean="0"/>
               <a:t>Leer valores directamente del </a:t>
             </a:r>
             <a:r>
-              <a:rPr lang="es-AR" sz="1600" dirty="0" err="1" smtClean="0"/>
+              <a:rPr lang="es-ES" sz="1600" dirty="0" err="1" smtClean="0"/>
               <a:t>Query</a:t>
             </a:r>
             <a:r>
-              <a:rPr lang="es-AR" sz="1600" dirty="0" smtClean="0"/>
+              <a:rPr lang="es-ES" sz="1600" dirty="0" smtClean="0"/>
               <a:t> </a:t>
             </a:r>
             <a:r>
-              <a:rPr lang="es-AR" sz="1600" dirty="0" err="1" smtClean="0"/>
+              <a:rPr lang="es-ES" sz="1600" dirty="0" err="1" smtClean="0"/>
               <a:t>string</a:t>
             </a:r>
-            <a:endParaRPr lang="es-AR" sz="1600" dirty="0" smtClean="0"/>
+            <a:endParaRPr lang="es-ES" sz="1600" dirty="0" smtClean="0"/>
           </a:p>
           <a:p>
             <a:pPr lvl="1"/>
-            <a:endParaRPr lang="es-AR" sz="1600" dirty="0" smtClean="0"/>
+            <a:endParaRPr lang="es-ES" sz="1600" dirty="0" smtClean="0"/>
           </a:p>
           <a:p>
             <a:pPr lvl="1"/>
             <a:r>
-              <a:rPr lang="es-AR" sz="1600" dirty="0" smtClean="0"/>
+              <a:rPr lang="es-ES" sz="1600" dirty="0" smtClean="0"/>
               <a:t>Usando </a:t>
             </a:r>
             <a:r>
-              <a:rPr lang="es-AR" sz="1600" dirty="0" err="1" smtClean="0"/>
+              <a:rPr lang="es-ES" sz="1600" dirty="0" err="1" smtClean="0"/>
               <a:t>Model</a:t>
             </a:r>
             <a:r>
-              <a:rPr lang="es-AR" sz="1600" dirty="0" smtClean="0"/>
+              <a:rPr lang="es-ES" sz="1600" dirty="0" smtClean="0"/>
               <a:t> </a:t>
             </a:r>
             <a:r>
-              <a:rPr lang="es-AR" sz="1600" dirty="0" err="1" smtClean="0"/>
+              <a:rPr lang="es-ES" sz="1600" dirty="0" err="1" smtClean="0"/>
               <a:t>binders</a:t>
             </a:r>
             <a:r>
-              <a:rPr lang="es-AR" sz="1600" dirty="0" smtClean="0"/>
+              <a:rPr lang="es-ES" sz="1600" dirty="0" smtClean="0"/>
               <a:t> o  crear el propio.</a:t>
             </a:r>
-            <a:endParaRPr lang="en-US" sz="1600" dirty="0"/>
+            <a:endParaRPr lang="es-ES" sz="1600" dirty="0"/>
           </a:p>
         </p:txBody>
       </p:sp>
@@ -25366,42 +25303,10 @@
           <a:lstStyle/>
           <a:p>
             <a:r>
-              <a:rPr lang="en-US" dirty="0" err="1"/>
-              <a:t>Ejemplo</a:t>
-            </a:r>
-            <a:r>
-              <a:rPr lang="en-US" dirty="0"/>
-              <a:t> </a:t>
-            </a:r>
-            <a:r>
-              <a:rPr lang="en-US" dirty="0" err="1"/>
-              <a:t>practico</a:t>
-            </a:r>
-            <a:r>
-              <a:rPr lang="en-US" dirty="0"/>
-              <a:t> – </a:t>
-            </a:r>
-            <a:r>
-              <a:rPr lang="en-US" dirty="0" err="1"/>
-              <a:t>Lista</a:t>
-            </a:r>
-            <a:r>
-              <a:rPr lang="en-US" dirty="0"/>
-              <a:t> de </a:t>
-            </a:r>
-            <a:r>
-              <a:rPr lang="en-US" dirty="0" err="1" smtClean="0"/>
-              <a:t>Géneros</a:t>
-            </a:r>
-            <a:r>
-              <a:rPr lang="en-US" dirty="0" smtClean="0"/>
-              <a:t> y </a:t>
-            </a:r>
-            <a:r>
-              <a:rPr lang="en-US" dirty="0" err="1" smtClean="0"/>
-              <a:t>Peliculas</a:t>
-            </a:r>
-            <a:endParaRPr lang="en-US" dirty="0"/>
+              <a:rPr lang="es-ES" dirty="0" smtClean="0"/>
+              <a:t>Ejemplo práctico – Lista de Géneros y Películas</a:t>
+            </a:r>
+            <a:endParaRPr lang="es-ES" dirty="0"/>
           </a:p>
         </p:txBody>
       </p:sp>
@@ -25455,11 +25360,7 @@
             </a:pPr>
             <a:r>
               <a:rPr lang="es-AR" sz="2400" dirty="0" smtClean="0"/>
-              <a:t>Implementar en el servicio creado en el paso 1 </a:t>
-            </a:r>
-            <a:r>
-              <a:rPr lang="es-AR" sz="2400" dirty="0" smtClean="0"/>
-              <a:t>la búsqueda de géneros por Id. </a:t>
+              <a:t>Implementar en el servicio creado en el paso 1 la búsqueda de géneros por Id. </a:t>
             </a:r>
           </a:p>
           <a:p>
@@ -25608,457 +25509,207 @@
           <a:lstStyle/>
           <a:p>
             <a:r>
-              <a:rPr lang="es-AR" dirty="0" err="1" smtClean="0"/>
+              <a:rPr lang="es-ES" dirty="0" err="1" smtClean="0"/>
               <a:t>Layouts</a:t>
             </a:r>
-            <a:endParaRPr lang="es-AR" dirty="0" smtClean="0"/>
+            <a:endParaRPr lang="es-ES" dirty="0" smtClean="0"/>
           </a:p>
           <a:p>
             <a:pPr lvl="1"/>
             <a:r>
-              <a:rPr lang="en-US" dirty="0" err="1" smtClean="0"/>
-              <a:t>Sirven</a:t>
-            </a:r>
-            <a:r>
-              <a:rPr lang="en-US" dirty="0" smtClean="0"/>
+              <a:rPr lang="es-ES" dirty="0" smtClean="0"/>
+              <a:t>Sirven para darle formato a las paginas en común.</a:t>
+            </a:r>
+          </a:p>
+          <a:p>
+            <a:pPr lvl="1"/>
+            <a:r>
+              <a:rPr lang="es-ES" dirty="0" smtClean="0"/>
+              <a:t>Reemplazan las Master </a:t>
+            </a:r>
+            <a:r>
+              <a:rPr lang="es-ES" dirty="0" err="1" smtClean="0"/>
+              <a:t>Pages</a:t>
+            </a:r>
+            <a:r>
+              <a:rPr lang="es-ES" dirty="0" smtClean="0"/>
+              <a:t> de </a:t>
+            </a:r>
+            <a:r>
+              <a:rPr lang="es-ES" dirty="0" err="1" smtClean="0"/>
+              <a:t>Asp.Net</a:t>
+            </a:r>
+            <a:r>
+              <a:rPr lang="es-ES" dirty="0" smtClean="0"/>
               <a:t> </a:t>
             </a:r>
             <a:r>
-              <a:rPr lang="en-US" dirty="0" err="1" smtClean="0"/>
-              <a:t>para</a:t>
-            </a:r>
-            <a:r>
-              <a:rPr lang="en-US" dirty="0" smtClean="0"/>
-              <a:t> </a:t>
-            </a:r>
-            <a:r>
-              <a:rPr lang="en-US" dirty="0" err="1" smtClean="0"/>
-              <a:t>darle</a:t>
-            </a:r>
-            <a:r>
-              <a:rPr lang="en-US" dirty="0" smtClean="0"/>
-              <a:t> </a:t>
-            </a:r>
-            <a:r>
-              <a:rPr lang="en-US" dirty="0" err="1" smtClean="0"/>
-              <a:t>formato</a:t>
-            </a:r>
-            <a:r>
-              <a:rPr lang="en-US" dirty="0"/>
-              <a:t> </a:t>
-            </a:r>
-            <a:r>
-              <a:rPr lang="en-US" dirty="0" smtClean="0"/>
-              <a:t>a </a:t>
-            </a:r>
-            <a:r>
-              <a:rPr lang="en-US" dirty="0" err="1" smtClean="0"/>
-              <a:t>las</a:t>
-            </a:r>
-            <a:r>
-              <a:rPr lang="en-US" dirty="0" smtClean="0"/>
-              <a:t> </a:t>
-            </a:r>
-            <a:r>
-              <a:rPr lang="en-US" dirty="0" err="1" smtClean="0"/>
-              <a:t>paginas</a:t>
-            </a:r>
-            <a:r>
-              <a:rPr lang="en-US" dirty="0" smtClean="0"/>
-              <a:t> en </a:t>
-            </a:r>
-            <a:r>
-              <a:rPr lang="en-US" dirty="0" err="1" smtClean="0"/>
-              <a:t>comun</a:t>
-            </a:r>
-            <a:r>
-              <a:rPr lang="en-US" dirty="0" smtClean="0"/>
+              <a:rPr lang="es-ES" dirty="0" err="1" smtClean="0"/>
+              <a:t>WebForms</a:t>
+            </a:r>
+            <a:r>
+              <a:rPr lang="es-ES" dirty="0" smtClean="0"/>
               <a:t>.</a:t>
             </a:r>
           </a:p>
           <a:p>
             <a:pPr lvl="1"/>
             <a:r>
-              <a:rPr lang="en-US" dirty="0" err="1" smtClean="0"/>
-              <a:t>Reemplazan</a:t>
-            </a:r>
-            <a:r>
-              <a:rPr lang="en-US" dirty="0" smtClean="0"/>
-              <a:t> </a:t>
-            </a:r>
-            <a:r>
-              <a:rPr lang="en-US" dirty="0" err="1" smtClean="0"/>
-              <a:t>las</a:t>
-            </a:r>
-            <a:r>
-              <a:rPr lang="en-US" dirty="0" smtClean="0"/>
-              <a:t> Master Pages de </a:t>
-            </a:r>
-            <a:r>
-              <a:rPr lang="en-US" dirty="0" err="1" smtClean="0"/>
-              <a:t>Asp.Net</a:t>
-            </a:r>
-            <a:r>
-              <a:rPr lang="en-US" dirty="0" smtClean="0"/>
-              <a:t> </a:t>
-            </a:r>
-            <a:r>
-              <a:rPr lang="en-US" dirty="0" err="1" smtClean="0"/>
-              <a:t>WebForms</a:t>
-            </a:r>
-            <a:r>
-              <a:rPr lang="en-US" dirty="0" smtClean="0"/>
-              <a:t>.</a:t>
+              <a:rPr lang="es-ES" dirty="0" smtClean="0"/>
+              <a:t>Se utilizan en las paginas de la siguiente forma </a:t>
+            </a:r>
+            <a:br>
+              <a:rPr lang="es-ES" dirty="0" smtClean="0"/>
+            </a:br>
+            <a:r>
+              <a:rPr lang="es-ES" dirty="0" smtClean="0"/>
+              <a:t>	@{ </a:t>
+            </a:r>
+            <a:r>
+              <a:rPr lang="es-ES" dirty="0" err="1" smtClean="0"/>
+              <a:t>Layout</a:t>
+            </a:r>
+            <a:r>
+              <a:rPr lang="es-ES" dirty="0" smtClean="0"/>
+              <a:t> = "~/</a:t>
+            </a:r>
+            <a:r>
+              <a:rPr lang="es-ES" dirty="0" err="1" smtClean="0"/>
+              <a:t>Views</a:t>
+            </a:r>
+            <a:r>
+              <a:rPr lang="es-ES" dirty="0" smtClean="0"/>
+              <a:t>/</a:t>
+            </a:r>
+            <a:r>
+              <a:rPr lang="es-ES" dirty="0" err="1" smtClean="0"/>
+              <a:t>Shared</a:t>
+            </a:r>
+            <a:r>
+              <a:rPr lang="es-ES" dirty="0" smtClean="0"/>
+              <a:t>/_</a:t>
+            </a:r>
+            <a:r>
+              <a:rPr lang="es-ES" dirty="0" err="1" smtClean="0"/>
+              <a:t>Layout.cshtml</a:t>
+            </a:r>
+            <a:r>
+              <a:rPr lang="es-ES" dirty="0" smtClean="0"/>
+              <a:t>"; }</a:t>
             </a:r>
           </a:p>
           <a:p>
             <a:pPr lvl="1"/>
             <a:r>
-              <a:rPr lang="en-US" dirty="0" smtClean="0"/>
-              <a:t>Se </a:t>
-            </a:r>
-            <a:r>
-              <a:rPr lang="en-US" dirty="0" err="1" smtClean="0"/>
-              <a:t>utilizan</a:t>
-            </a:r>
-            <a:r>
-              <a:rPr lang="en-US" dirty="0" smtClean="0"/>
-              <a:t> en </a:t>
-            </a:r>
-            <a:r>
-              <a:rPr lang="en-US" dirty="0" err="1" smtClean="0"/>
-              <a:t>las</a:t>
-            </a:r>
-            <a:r>
-              <a:rPr lang="en-US" dirty="0" smtClean="0"/>
-              <a:t> </a:t>
-            </a:r>
-            <a:r>
-              <a:rPr lang="en-US" dirty="0" err="1" smtClean="0"/>
-              <a:t>paginas</a:t>
-            </a:r>
-            <a:r>
-              <a:rPr lang="en-US" dirty="0" smtClean="0"/>
-              <a:t> de la </a:t>
-            </a:r>
-            <a:r>
-              <a:rPr lang="en-US" dirty="0" err="1" smtClean="0"/>
-              <a:t>siguiente</a:t>
-            </a:r>
-            <a:r>
-              <a:rPr lang="en-US" dirty="0" smtClean="0"/>
-              <a:t> forma </a:t>
-            </a:r>
-            <a:br>
-              <a:rPr lang="en-US" dirty="0" smtClean="0"/>
-            </a:br>
-            <a:r>
-              <a:rPr lang="en-US" dirty="0" smtClean="0"/>
-              <a:t>	</a:t>
-            </a:r>
-            <a:r>
-              <a:rPr lang="es-AR" dirty="0" smtClean="0"/>
-              <a:t>@{ </a:t>
-            </a:r>
-            <a:r>
-              <a:rPr lang="es-AR" dirty="0" err="1"/>
-              <a:t>Layout</a:t>
-            </a:r>
-            <a:r>
-              <a:rPr lang="es-AR" dirty="0"/>
-              <a:t> = "~/</a:t>
-            </a:r>
-            <a:r>
-              <a:rPr lang="es-AR" dirty="0" err="1"/>
-              <a:t>Views</a:t>
-            </a:r>
-            <a:r>
-              <a:rPr lang="es-AR" dirty="0"/>
-              <a:t>/</a:t>
-            </a:r>
-            <a:r>
-              <a:rPr lang="es-AR" dirty="0" err="1"/>
+              <a:rPr lang="es-ES" dirty="0" smtClean="0"/>
+              <a:t>Los </a:t>
+            </a:r>
+            <a:r>
+              <a:rPr lang="es-ES" dirty="0" err="1" smtClean="0"/>
+              <a:t>layouts</a:t>
+            </a:r>
+            <a:r>
+              <a:rPr lang="es-ES" dirty="0" smtClean="0"/>
+              <a:t> se pueden heredar.</a:t>
+            </a:r>
+          </a:p>
+          <a:p>
+            <a:pPr lvl="1"/>
+            <a:r>
+              <a:rPr lang="es-ES" dirty="0" smtClean="0"/>
+              <a:t>En general van en la Carpeta View/</a:t>
+            </a:r>
+            <a:r>
+              <a:rPr lang="es-ES" dirty="0" err="1" smtClean="0"/>
               <a:t>Shared</a:t>
             </a:r>
             <a:r>
-              <a:rPr lang="es-AR" dirty="0" smtClean="0"/>
-              <a:t>/_</a:t>
-            </a:r>
-            <a:r>
-              <a:rPr lang="es-AR" dirty="0" err="1" smtClean="0"/>
-              <a:t>Layout.cshtml</a:t>
-            </a:r>
-            <a:r>
-              <a:rPr lang="es-AR" dirty="0"/>
-              <a:t>"; }</a:t>
-            </a:r>
-            <a:endParaRPr lang="en-US" dirty="0" smtClean="0"/>
+              <a:rPr lang="es-ES" dirty="0" smtClean="0"/>
+              <a:t> ya que son compartidos.</a:t>
+            </a:r>
+          </a:p>
+          <a:p>
+            <a:r>
+              <a:rPr lang="es-ES" dirty="0" err="1" smtClean="0"/>
+              <a:t>Sections</a:t>
+            </a:r>
+            <a:endParaRPr lang="es-ES" dirty="0" smtClean="0"/>
           </a:p>
           <a:p>
             <a:pPr lvl="1"/>
             <a:r>
-              <a:rPr lang="en-US" dirty="0" smtClean="0"/>
-              <a:t>Los layouts se </a:t>
-            </a:r>
-            <a:r>
-              <a:rPr lang="en-US" dirty="0" err="1" smtClean="0"/>
-              <a:t>pueden</a:t>
-            </a:r>
-            <a:r>
-              <a:rPr lang="en-US" dirty="0" smtClean="0"/>
-              <a:t> </a:t>
-            </a:r>
-            <a:r>
-              <a:rPr lang="en-US" dirty="0" err="1" smtClean="0"/>
-              <a:t>heredar</a:t>
-            </a:r>
-            <a:r>
-              <a:rPr lang="en-US" dirty="0" smtClean="0"/>
-              <a:t>.</a:t>
+              <a:rPr lang="es-ES" dirty="0" smtClean="0"/>
+              <a:t>Una forma de dividir los </a:t>
+            </a:r>
+            <a:r>
+              <a:rPr lang="es-ES" dirty="0" err="1" smtClean="0"/>
+              <a:t>layouts</a:t>
+            </a:r>
+            <a:r>
+              <a:rPr lang="es-ES" dirty="0" smtClean="0"/>
+              <a:t> para proporcionar diferentes funcionalidades.</a:t>
             </a:r>
           </a:p>
           <a:p>
             <a:pPr lvl="1"/>
             <a:r>
-              <a:rPr lang="en-US" dirty="0" smtClean="0"/>
-              <a:t>En general van en la </a:t>
-            </a:r>
-            <a:r>
-              <a:rPr lang="en-US" dirty="0" err="1" smtClean="0"/>
-              <a:t>Carpeta</a:t>
-            </a:r>
-            <a:r>
-              <a:rPr lang="en-US" dirty="0" smtClean="0"/>
-              <a:t> View/Shared </a:t>
-            </a:r>
-            <a:r>
-              <a:rPr lang="en-US" dirty="0" err="1" smtClean="0"/>
-              <a:t>ya</a:t>
-            </a:r>
-            <a:r>
-              <a:rPr lang="en-US" dirty="0" smtClean="0"/>
-              <a:t> </a:t>
-            </a:r>
-            <a:r>
-              <a:rPr lang="en-US" dirty="0" err="1" smtClean="0"/>
-              <a:t>que</a:t>
-            </a:r>
-            <a:r>
-              <a:rPr lang="en-US" dirty="0" smtClean="0"/>
-              <a:t> son </a:t>
-            </a:r>
-            <a:r>
-              <a:rPr lang="en-US" dirty="0" err="1" smtClean="0"/>
-              <a:t>compartidos</a:t>
-            </a:r>
-            <a:r>
-              <a:rPr lang="en-US" dirty="0" smtClean="0"/>
-              <a:t>.</a:t>
-            </a:r>
-            <a:endParaRPr lang="es-AR" dirty="0" smtClean="0"/>
-          </a:p>
-          <a:p>
-            <a:r>
-              <a:rPr lang="es-AR" dirty="0" err="1" smtClean="0"/>
-              <a:t>Sections</a:t>
-            </a:r>
-            <a:endParaRPr lang="es-AR" dirty="0" smtClean="0"/>
+              <a:rPr lang="es-ES" dirty="0" smtClean="0"/>
+              <a:t>Requieren un nombre y pueden ser requeridos o no.</a:t>
+            </a:r>
           </a:p>
           <a:p>
             <a:pPr lvl="1"/>
             <a:r>
-              <a:rPr lang="en-US" dirty="0" err="1" smtClean="0"/>
-              <a:t>Una</a:t>
-            </a:r>
-            <a:r>
-              <a:rPr lang="en-US" dirty="0" smtClean="0"/>
-              <a:t> forma de </a:t>
-            </a:r>
-            <a:r>
-              <a:rPr lang="en-US" dirty="0" err="1" smtClean="0"/>
-              <a:t>dividir</a:t>
-            </a:r>
-            <a:r>
-              <a:rPr lang="en-US" dirty="0" smtClean="0"/>
-              <a:t> los layouts </a:t>
-            </a:r>
-            <a:r>
-              <a:rPr lang="en-US" dirty="0" err="1" smtClean="0"/>
-              <a:t>para</a:t>
-            </a:r>
-            <a:r>
-              <a:rPr lang="en-US" dirty="0" smtClean="0"/>
-              <a:t> </a:t>
-            </a:r>
-            <a:r>
-              <a:rPr lang="en-US" dirty="0" err="1" smtClean="0"/>
-              <a:t>proporcionar</a:t>
-            </a:r>
-            <a:r>
-              <a:rPr lang="en-US" dirty="0" smtClean="0"/>
-              <a:t> </a:t>
-            </a:r>
-            <a:r>
-              <a:rPr lang="en-US" dirty="0" err="1" smtClean="0"/>
-              <a:t>diferentes</a:t>
-            </a:r>
-            <a:r>
-              <a:rPr lang="en-US" dirty="0" smtClean="0"/>
-              <a:t> </a:t>
-            </a:r>
-            <a:r>
-              <a:rPr lang="en-US" dirty="0" err="1" smtClean="0"/>
-              <a:t>funcionalidades</a:t>
-            </a:r>
-            <a:r>
-              <a:rPr lang="en-US" dirty="0" smtClean="0"/>
-              <a:t>.</a:t>
+              <a:rPr lang="es-ES" dirty="0" smtClean="0"/>
+              <a:t>Se usan utilizando el @</a:t>
+            </a:r>
+            <a:r>
+              <a:rPr lang="es-ES" dirty="0" err="1" smtClean="0"/>
+              <a:t>Section</a:t>
+            </a:r>
+            <a:r>
+              <a:rPr lang="es-ES" dirty="0" smtClean="0"/>
+              <a:t> dentro de la pagina.</a:t>
             </a:r>
           </a:p>
           <a:p>
             <a:pPr lvl="1"/>
             <a:r>
-              <a:rPr lang="en-US" dirty="0" err="1" smtClean="0"/>
-              <a:t>Requiren</a:t>
-            </a:r>
-            <a:r>
-              <a:rPr lang="en-US" dirty="0" smtClean="0"/>
-              <a:t> un </a:t>
-            </a:r>
-            <a:r>
-              <a:rPr lang="en-US" dirty="0" err="1" smtClean="0"/>
-              <a:t>nombre</a:t>
-            </a:r>
-            <a:r>
-              <a:rPr lang="en-US" dirty="0" smtClean="0"/>
-              <a:t> y </a:t>
-            </a:r>
-            <a:r>
-              <a:rPr lang="en-US" dirty="0" err="1" smtClean="0"/>
-              <a:t>pueden</a:t>
-            </a:r>
-            <a:r>
-              <a:rPr lang="en-US" dirty="0" smtClean="0"/>
-              <a:t> </a:t>
-            </a:r>
-            <a:r>
-              <a:rPr lang="en-US" dirty="0" err="1" smtClean="0"/>
-              <a:t>ser</a:t>
-            </a:r>
-            <a:r>
-              <a:rPr lang="en-US" dirty="0" smtClean="0"/>
-              <a:t> </a:t>
-            </a:r>
-            <a:r>
-              <a:rPr lang="en-US" dirty="0" err="1" smtClean="0"/>
-              <a:t>requeridos</a:t>
-            </a:r>
-            <a:r>
-              <a:rPr lang="en-US" dirty="0" smtClean="0"/>
-              <a:t> o no.</a:t>
-            </a:r>
-          </a:p>
-          <a:p>
-            <a:pPr lvl="1"/>
-            <a:r>
-              <a:rPr lang="en-US" dirty="0" smtClean="0"/>
-              <a:t>Se </a:t>
-            </a:r>
-            <a:r>
-              <a:rPr lang="en-US" dirty="0" err="1" smtClean="0"/>
-              <a:t>usan</a:t>
-            </a:r>
-            <a:r>
-              <a:rPr lang="en-US" dirty="0" smtClean="0"/>
-              <a:t> </a:t>
-            </a:r>
-            <a:r>
-              <a:rPr lang="en-US" dirty="0" err="1" smtClean="0"/>
-              <a:t>utilizando</a:t>
-            </a:r>
-            <a:r>
-              <a:rPr lang="en-US" dirty="0" smtClean="0"/>
-              <a:t> el @Section </a:t>
-            </a:r>
-            <a:r>
-              <a:rPr lang="en-US" dirty="0" err="1" smtClean="0"/>
-              <a:t>dentro</a:t>
-            </a:r>
-            <a:r>
-              <a:rPr lang="en-US" dirty="0" smtClean="0"/>
-              <a:t> de la </a:t>
-            </a:r>
-            <a:r>
-              <a:rPr lang="en-US" dirty="0" err="1" smtClean="0"/>
-              <a:t>pagina</a:t>
-            </a:r>
-            <a:r>
-              <a:rPr lang="en-US" dirty="0" smtClean="0"/>
-              <a:t>.</a:t>
-            </a:r>
-          </a:p>
-          <a:p>
-            <a:pPr lvl="1"/>
-            <a:r>
-              <a:rPr lang="en-US" dirty="0" smtClean="0"/>
-              <a:t>Un </a:t>
-            </a:r>
-            <a:r>
-              <a:rPr lang="en-US" dirty="0" err="1" smtClean="0"/>
-              <a:t>ejemplo</a:t>
-            </a:r>
-            <a:r>
-              <a:rPr lang="en-US" dirty="0" smtClean="0"/>
-              <a:t> de section </a:t>
-            </a:r>
-            <a:r>
-              <a:rPr lang="en-US" dirty="0" err="1" smtClean="0"/>
-              <a:t>es</a:t>
-            </a:r>
-            <a:r>
-              <a:rPr lang="en-US" dirty="0" smtClean="0"/>
-              <a:t> el Body de la </a:t>
-            </a:r>
-            <a:r>
-              <a:rPr lang="en-US" dirty="0" err="1" smtClean="0"/>
-              <a:t>pagina</a:t>
-            </a:r>
-            <a:r>
-              <a:rPr lang="en-US" dirty="0" smtClean="0"/>
-              <a:t> y la </a:t>
-            </a:r>
-            <a:r>
-              <a:rPr lang="en-US" dirty="0" err="1" smtClean="0"/>
-              <a:t>barra</a:t>
-            </a:r>
-            <a:r>
-              <a:rPr lang="en-US" dirty="0" smtClean="0"/>
-              <a:t> de </a:t>
-            </a:r>
-            <a:r>
-              <a:rPr lang="en-US" dirty="0" err="1" smtClean="0"/>
-              <a:t>navegacion</a:t>
-            </a:r>
-            <a:r>
-              <a:rPr lang="en-US" dirty="0" smtClean="0"/>
-              <a:t>.</a:t>
+              <a:rPr lang="es-ES" dirty="0" smtClean="0"/>
+              <a:t>Un ejemplo de </a:t>
+            </a:r>
+            <a:r>
+              <a:rPr lang="es-ES" dirty="0" err="1" smtClean="0"/>
+              <a:t>section</a:t>
+            </a:r>
+            <a:r>
+              <a:rPr lang="es-ES" dirty="0" smtClean="0"/>
+              <a:t> es el </a:t>
+            </a:r>
+            <a:r>
+              <a:rPr lang="es-ES" dirty="0" err="1" smtClean="0"/>
+              <a:t>Body</a:t>
+            </a:r>
+            <a:r>
+              <a:rPr lang="es-ES" dirty="0" smtClean="0"/>
+              <a:t> de la pagina y la barra de navegación.</a:t>
             </a:r>
           </a:p>
           <a:p>
             <a:pPr marL="228600" lvl="1" indent="0">
               <a:buNone/>
             </a:pPr>
-            <a:endParaRPr lang="es-AR" dirty="0" smtClean="0"/>
+            <a:endParaRPr lang="es-ES" dirty="0" smtClean="0"/>
           </a:p>
           <a:p>
             <a:pPr lvl="1"/>
-            <a:endParaRPr lang="es-AR" dirty="0" smtClean="0"/>
+            <a:endParaRPr lang="es-ES" dirty="0" smtClean="0"/>
           </a:p>
           <a:p>
             <a:pPr marL="0" indent="0">
               <a:buNone/>
             </a:pPr>
-            <a:endParaRPr lang="en-US" dirty="0"/>
+            <a:endParaRPr lang="es-ES" dirty="0"/>
           </a:p>
         </p:txBody>
       </p:sp>
@@ -26316,12 +25967,12 @@
               <a:t> en el link “Ver películas” del listado de </a:t>
             </a:r>
             <a:r>
-              <a:rPr lang="es-ES" sz="2400" dirty="0" err="1" smtClean="0"/>
-              <a:t>generos</a:t>
-            </a:r>
-            <a:r>
               <a:rPr lang="es-ES" sz="2400" dirty="0" smtClean="0"/>
-              <a:t> creado en los pasos previos.</a:t>
+              <a:t>géneros </a:t>
+            </a:r>
+            <a:r>
+              <a:rPr lang="es-ES" sz="2400" dirty="0" smtClean="0"/>
+              <a:t>creado en los pasos previos.</a:t>
             </a:r>
           </a:p>
           <a:p>
@@ -27564,7 +27215,9 @@
           </a:prstGeom>
         </p:spPr>
         <p:txBody>
-          <a:bodyPr/>
+          <a:bodyPr>
+            <a:normAutofit fontScale="55000" lnSpcReduction="20000"/>
+          </a:bodyPr>
           <a:lstStyle/>
           <a:p>
             <a:r>
